--- a/Presentation/CFGPresentation.pptx
+++ b/Presentation/CFGPresentation.pptx
@@ -942,6 +942,13 @@
         </dgm:presLayoutVars>
       </dgm:prSet>
       <dgm:spPr/>
+      <dgm:t>
+        <a:bodyPr/>
+        <a:lstStyle/>
+        <a:p>
+          <a:endParaRPr lang="en-US"/>
+        </a:p>
+      </dgm:t>
     </dgm:pt>
     <dgm:pt modelId="{1D3F1B39-0A66-408C-8F01-3523B2DBCEDE}" type="pres">
       <dgm:prSet presAssocID="{EB5E1DEC-400D-43DA-BD7F-80F6C61C385C}" presName="sibTrans" presStyleCnt="0"/>
@@ -954,14 +961,21 @@
         </dgm:presLayoutVars>
       </dgm:prSet>
       <dgm:spPr/>
+      <dgm:t>
+        <a:bodyPr/>
+        <a:lstStyle/>
+        <a:p>
+          <a:endParaRPr lang="en-US"/>
+        </a:p>
+      </dgm:t>
     </dgm:pt>
   </dgm:ptLst>
   <dgm:cxnLst>
-    <dgm:cxn modelId="{52B941EC-3A8B-4E29-9E29-AA44472C6A4D}" type="presOf" srcId="{67D20F4B-DDFC-434D-A3EC-DD897B510B36}" destId="{BED8CFCD-1381-4519-975C-1A23B3436EFA}" srcOrd="0" destOrd="0" presId="urn:microsoft.com/office/officeart/2005/8/layout/hProcess9"/>
     <dgm:cxn modelId="{B0F126F7-A111-4620-8A64-8BD431746401}" type="presOf" srcId="{C7ABC4F5-ECC0-4B3E-9DFB-11458B75AD5F}" destId="{A80914B8-38D0-4856-975C-A060CDDF3F27}" srcOrd="0" destOrd="0" presId="urn:microsoft.com/office/officeart/2005/8/layout/hProcess9"/>
     <dgm:cxn modelId="{B32A703D-D7A7-45BF-B1EC-54638147191C}" srcId="{60AAB9DF-B129-462F-8190-2486190855C2}" destId="{C7ABC4F5-ECC0-4B3E-9DFB-11458B75AD5F}" srcOrd="0" destOrd="0" parTransId="{A28E9963-0679-41AE-B21F-436FD00658FD}" sibTransId="{EB5E1DEC-400D-43DA-BD7F-80F6C61C385C}"/>
+    <dgm:cxn modelId="{52B941EC-3A8B-4E29-9E29-AA44472C6A4D}" type="presOf" srcId="{67D20F4B-DDFC-434D-A3EC-DD897B510B36}" destId="{BED8CFCD-1381-4519-975C-1A23B3436EFA}" srcOrd="0" destOrd="0" presId="urn:microsoft.com/office/officeart/2005/8/layout/hProcess9"/>
+    <dgm:cxn modelId="{572AE095-E62C-4CF8-9BF9-104952218E21}" srcId="{60AAB9DF-B129-462F-8190-2486190855C2}" destId="{67D20F4B-DDFC-434D-A3EC-DD897B510B36}" srcOrd="1" destOrd="0" parTransId="{96368F35-CAB2-4F63-AADD-1AB8A4ECFF80}" sibTransId="{1824BDF5-6BF2-48BD-8F08-1008F048DC90}"/>
     <dgm:cxn modelId="{277B66F4-3033-4523-A18F-2FC0680B854F}" type="presOf" srcId="{60AAB9DF-B129-462F-8190-2486190855C2}" destId="{3286DAB2-9409-4600-9FD6-37DA36875915}" srcOrd="0" destOrd="0" presId="urn:microsoft.com/office/officeart/2005/8/layout/hProcess9"/>
-    <dgm:cxn modelId="{572AE095-E62C-4CF8-9BF9-104952218E21}" srcId="{60AAB9DF-B129-462F-8190-2486190855C2}" destId="{67D20F4B-DDFC-434D-A3EC-DD897B510B36}" srcOrd="1" destOrd="0" parTransId="{96368F35-CAB2-4F63-AADD-1AB8A4ECFF80}" sibTransId="{1824BDF5-6BF2-48BD-8F08-1008F048DC90}"/>
     <dgm:cxn modelId="{4E0E7250-C239-47FC-B6C2-ED3BE548F1C5}" type="presParOf" srcId="{3286DAB2-9409-4600-9FD6-37DA36875915}" destId="{0DE47FEE-49B3-412A-8316-CACED4B677E0}" srcOrd="0" destOrd="0" presId="urn:microsoft.com/office/officeart/2005/8/layout/hProcess9"/>
     <dgm:cxn modelId="{1036F600-F83B-43D6-941E-8C9D08C2E649}" type="presParOf" srcId="{3286DAB2-9409-4600-9FD6-37DA36875915}" destId="{27854D99-2CFF-40B6-AD5E-4B24B8D41EFF}" srcOrd="1" destOrd="0" presId="urn:microsoft.com/office/officeart/2005/8/layout/hProcess9"/>
     <dgm:cxn modelId="{0C7EF558-CCDB-4604-A4F6-54E4E75BE5B3}" type="presParOf" srcId="{27854D99-2CFF-40B6-AD5E-4B24B8D41EFF}" destId="{A80914B8-38D0-4856-975C-A060CDDF3F27}" srcOrd="0" destOrd="0" presId="urn:microsoft.com/office/officeart/2005/8/layout/hProcess9"/>
@@ -2454,7 +2468,7 @@
           <a:p>
             <a:fld id="{5B6EE239-CF24-4590-87A2-1AB32AC3820E}" type="datetimeFigureOut">
               <a:rPr lang="en-US"/>
-              <a:t>2/20/2016</a:t>
+              <a:t>2/20/16</a:t>
             </a:fld>
             <a:endParaRPr lang="en-US"/>
           </a:p>
@@ -2786,7 +2800,7 @@
           <a:p>
             <a:fld id="{62432D30-4C28-427C-B662-F292BDC70B13}" type="slidenum">
               <a:rPr lang="en-US"/>
-              <a:t>‹#›</a:t>
+              <a:t>1</a:t>
             </a:fld>
             <a:endParaRPr lang="en-US"/>
           </a:p>
@@ -2870,7 +2884,7 @@
           <a:p>
             <a:fld id="{62432D30-4C28-427C-B662-F292BDC70B13}" type="slidenum">
               <a:rPr lang="en-US"/>
-              <a:t>‹#›</a:t>
+              <a:t>2</a:t>
             </a:fld>
             <a:endParaRPr lang="en-US"/>
           </a:p>
@@ -2954,7 +2968,7 @@
           <a:p>
             <a:fld id="{62432D30-4C28-427C-B662-F292BDC70B13}" type="slidenum">
               <a:rPr lang="en-US"/>
-              <a:t>‹#›</a:t>
+              <a:t>3</a:t>
             </a:fld>
             <a:endParaRPr lang="en-US"/>
           </a:p>
@@ -3038,7 +3052,7 @@
           <a:p>
             <a:fld id="{62432D30-4C28-427C-B662-F292BDC70B13}" type="slidenum">
               <a:rPr lang="en-US"/>
-              <a:t>‹#›</a:t>
+              <a:t>4</a:t>
             </a:fld>
             <a:endParaRPr lang="en-US"/>
           </a:p>
@@ -3122,7 +3136,7 @@
           <a:p>
             <a:fld id="{62432D30-4C28-427C-B662-F292BDC70B13}" type="slidenum">
               <a:rPr lang="en-US"/>
-              <a:t>‹#›</a:t>
+              <a:t>5</a:t>
             </a:fld>
             <a:endParaRPr lang="en-US"/>
           </a:p>
@@ -3206,7 +3220,7 @@
           <a:p>
             <a:fld id="{62432D30-4C28-427C-B662-F292BDC70B13}" type="slidenum">
               <a:rPr lang="en-US"/>
-              <a:t>‹#›</a:t>
+              <a:t>6</a:t>
             </a:fld>
             <a:endParaRPr lang="en-US"/>
           </a:p>
@@ -3356,7 +3370,7 @@
           <a:p>
             <a:fld id="{846CE7D5-CF57-46EF-B807-FDD0502418D4}" type="datetimeFigureOut">
               <a:rPr lang="en-US" smtClean="0"/>
-              <a:t>2/20/2016</a:t>
+              <a:t>2/20/16</a:t>
             </a:fld>
             <a:endParaRPr lang="en-US"/>
           </a:p>
@@ -3526,7 +3540,7 @@
           <a:p>
             <a:fld id="{846CE7D5-CF57-46EF-B807-FDD0502418D4}" type="datetimeFigureOut">
               <a:rPr lang="en-US" smtClean="0"/>
-              <a:t>2/20/2016</a:t>
+              <a:t>2/20/16</a:t>
             </a:fld>
             <a:endParaRPr lang="en-US"/>
           </a:p>
@@ -3706,7 +3720,7 @@
           <a:p>
             <a:fld id="{846CE7D5-CF57-46EF-B807-FDD0502418D4}" type="datetimeFigureOut">
               <a:rPr lang="en-US" smtClean="0"/>
-              <a:t>2/20/2016</a:t>
+              <a:t>2/20/16</a:t>
             </a:fld>
             <a:endParaRPr lang="en-US"/>
           </a:p>
@@ -3876,7 +3890,7 @@
           <a:p>
             <a:fld id="{846CE7D5-CF57-46EF-B807-FDD0502418D4}" type="datetimeFigureOut">
               <a:rPr lang="en-US" smtClean="0"/>
-              <a:t>2/20/2016</a:t>
+              <a:t>2/20/16</a:t>
             </a:fld>
             <a:endParaRPr lang="en-US"/>
           </a:p>
@@ -4122,7 +4136,7 @@
           <a:p>
             <a:fld id="{846CE7D5-CF57-46EF-B807-FDD0502418D4}" type="datetimeFigureOut">
               <a:rPr lang="en-US" smtClean="0"/>
-              <a:t>2/20/2016</a:t>
+              <a:t>2/20/16</a:t>
             </a:fld>
             <a:endParaRPr lang="en-US"/>
           </a:p>
@@ -4354,7 +4368,7 @@
           <a:p>
             <a:fld id="{846CE7D5-CF57-46EF-B807-FDD0502418D4}" type="datetimeFigureOut">
               <a:rPr lang="en-US" smtClean="0"/>
-              <a:t>2/20/2016</a:t>
+              <a:t>2/20/16</a:t>
             </a:fld>
             <a:endParaRPr lang="en-US"/>
           </a:p>
@@ -4721,7 +4735,7 @@
           <a:p>
             <a:fld id="{846CE7D5-CF57-46EF-B807-FDD0502418D4}" type="datetimeFigureOut">
               <a:rPr lang="en-US" smtClean="0"/>
-              <a:t>2/20/2016</a:t>
+              <a:t>2/20/16</a:t>
             </a:fld>
             <a:endParaRPr lang="en-US"/>
           </a:p>
@@ -4839,7 +4853,7 @@
           <a:p>
             <a:fld id="{846CE7D5-CF57-46EF-B807-FDD0502418D4}" type="datetimeFigureOut">
               <a:rPr lang="en-US" smtClean="0"/>
-              <a:t>2/20/2016</a:t>
+              <a:t>2/20/16</a:t>
             </a:fld>
             <a:endParaRPr lang="en-US"/>
           </a:p>
@@ -4934,7 +4948,7 @@
           <a:p>
             <a:fld id="{846CE7D5-CF57-46EF-B807-FDD0502418D4}" type="datetimeFigureOut">
               <a:rPr lang="en-US" smtClean="0"/>
-              <a:t>2/20/2016</a:t>
+              <a:t>2/20/16</a:t>
             </a:fld>
             <a:endParaRPr lang="en-US"/>
           </a:p>
@@ -5211,7 +5225,7 @@
           <a:p>
             <a:fld id="{846CE7D5-CF57-46EF-B807-FDD0502418D4}" type="datetimeFigureOut">
               <a:rPr lang="en-US" smtClean="0"/>
-              <a:t>2/20/2016</a:t>
+              <a:t>2/20/16</a:t>
             </a:fld>
             <a:endParaRPr lang="en-US"/>
           </a:p>
@@ -5468,7 +5482,7 @@
           <a:p>
             <a:fld id="{846CE7D5-CF57-46EF-B807-FDD0502418D4}" type="datetimeFigureOut">
               <a:rPr lang="en-US" smtClean="0"/>
-              <a:t>2/20/2016</a:t>
+              <a:t>2/20/16</a:t>
             </a:fld>
             <a:endParaRPr lang="en-US"/>
           </a:p>
@@ -5681,7 +5695,7 @@
           <a:p>
             <a:fld id="{846CE7D5-CF57-46EF-B807-FDD0502418D4}" type="datetimeFigureOut">
               <a:rPr lang="en-US" smtClean="0"/>
-              <a:t>2/20/2016</a:t>
+              <a:t>2/20/16</a:t>
             </a:fld>
             <a:endParaRPr lang="en-US"/>
           </a:p>
@@ -6249,6 +6263,30 @@
           <a:xfrm>
             <a:off x="838200" y="2814080"/>
             <a:ext cx="5160313" cy="2736653"/>
+          </a:xfrm>
+          <a:prstGeom prst="rect">
+            <a:avLst/>
+          </a:prstGeom>
+        </p:spPr>
+      </p:pic>
+      <p:pic>
+        <p:nvPicPr>
+          <p:cNvPr id="5" name="Picture 4"/>
+          <p:cNvPicPr>
+            <a:picLocks noChangeAspect="1"/>
+          </p:cNvPicPr>
+          <p:nvPr/>
+        </p:nvPicPr>
+        <p:blipFill>
+          <a:blip r:embed="rId5"/>
+          <a:stretch>
+            <a:fillRect/>
+          </a:stretch>
+        </p:blipFill>
+        <p:spPr>
+          <a:xfrm>
+            <a:off x="5998513" y="779449"/>
+            <a:ext cx="6350000" cy="5067300"/>
           </a:xfrm>
           <a:prstGeom prst="rect">
             <a:avLst/>

--- a/Presentation/CFGPresentation.pptx
+++ b/Presentation/CFGPresentation.pptx
@@ -957,11 +957,11 @@
     </dgm:pt>
   </dgm:ptLst>
   <dgm:cxnLst>
-    <dgm:cxn modelId="{52B941EC-3A8B-4E29-9E29-AA44472C6A4D}" type="presOf" srcId="{67D20F4B-DDFC-434D-A3EC-DD897B510B36}" destId="{BED8CFCD-1381-4519-975C-1A23B3436EFA}" srcOrd="0" destOrd="0" presId="urn:microsoft.com/office/officeart/2005/8/layout/hProcess9"/>
     <dgm:cxn modelId="{B0F126F7-A111-4620-8A64-8BD431746401}" type="presOf" srcId="{C7ABC4F5-ECC0-4B3E-9DFB-11458B75AD5F}" destId="{A80914B8-38D0-4856-975C-A060CDDF3F27}" srcOrd="0" destOrd="0" presId="urn:microsoft.com/office/officeart/2005/8/layout/hProcess9"/>
     <dgm:cxn modelId="{B32A703D-D7A7-45BF-B1EC-54638147191C}" srcId="{60AAB9DF-B129-462F-8190-2486190855C2}" destId="{C7ABC4F5-ECC0-4B3E-9DFB-11458B75AD5F}" srcOrd="0" destOrd="0" parTransId="{A28E9963-0679-41AE-B21F-436FD00658FD}" sibTransId="{EB5E1DEC-400D-43DA-BD7F-80F6C61C385C}"/>
+    <dgm:cxn modelId="{52B941EC-3A8B-4E29-9E29-AA44472C6A4D}" type="presOf" srcId="{67D20F4B-DDFC-434D-A3EC-DD897B510B36}" destId="{BED8CFCD-1381-4519-975C-1A23B3436EFA}" srcOrd="0" destOrd="0" presId="urn:microsoft.com/office/officeart/2005/8/layout/hProcess9"/>
+    <dgm:cxn modelId="{572AE095-E62C-4CF8-9BF9-104952218E21}" srcId="{60AAB9DF-B129-462F-8190-2486190855C2}" destId="{67D20F4B-DDFC-434D-A3EC-DD897B510B36}" srcOrd="1" destOrd="0" parTransId="{96368F35-CAB2-4F63-AADD-1AB8A4ECFF80}" sibTransId="{1824BDF5-6BF2-48BD-8F08-1008F048DC90}"/>
     <dgm:cxn modelId="{277B66F4-3033-4523-A18F-2FC0680B854F}" type="presOf" srcId="{60AAB9DF-B129-462F-8190-2486190855C2}" destId="{3286DAB2-9409-4600-9FD6-37DA36875915}" srcOrd="0" destOrd="0" presId="urn:microsoft.com/office/officeart/2005/8/layout/hProcess9"/>
-    <dgm:cxn modelId="{572AE095-E62C-4CF8-9BF9-104952218E21}" srcId="{60AAB9DF-B129-462F-8190-2486190855C2}" destId="{67D20F4B-DDFC-434D-A3EC-DD897B510B36}" srcOrd="1" destOrd="0" parTransId="{96368F35-CAB2-4F63-AADD-1AB8A4ECFF80}" sibTransId="{1824BDF5-6BF2-48BD-8F08-1008F048DC90}"/>
     <dgm:cxn modelId="{4E0E7250-C239-47FC-B6C2-ED3BE548F1C5}" type="presParOf" srcId="{3286DAB2-9409-4600-9FD6-37DA36875915}" destId="{0DE47FEE-49B3-412A-8316-CACED4B677E0}" srcOrd="0" destOrd="0" presId="urn:microsoft.com/office/officeart/2005/8/layout/hProcess9"/>
     <dgm:cxn modelId="{1036F600-F83B-43D6-941E-8C9D08C2E649}" type="presParOf" srcId="{3286DAB2-9409-4600-9FD6-37DA36875915}" destId="{27854D99-2CFF-40B6-AD5E-4B24B8D41EFF}" srcOrd="1" destOrd="0" presId="urn:microsoft.com/office/officeart/2005/8/layout/hProcess9"/>
     <dgm:cxn modelId="{0C7EF558-CCDB-4604-A4F6-54E4E75BE5B3}" type="presParOf" srcId="{27854D99-2CFF-40B6-AD5E-4B24B8D41EFF}" destId="{A80914B8-38D0-4856-975C-A060CDDF3F27}" srcOrd="0" destOrd="0" presId="urn:microsoft.com/office/officeart/2005/8/layout/hProcess9"/>
@@ -2786,7 +2786,7 @@
           <a:p>
             <a:fld id="{62432D30-4C28-427C-B662-F292BDC70B13}" type="slidenum">
               <a:rPr lang="en-US"/>
-              <a:t>‹#›</a:t>
+              <a:t>1</a:t>
             </a:fld>
             <a:endParaRPr lang="en-US"/>
           </a:p>
@@ -2870,7 +2870,7 @@
           <a:p>
             <a:fld id="{62432D30-4C28-427C-B662-F292BDC70B13}" type="slidenum">
               <a:rPr lang="en-US"/>
-              <a:t>‹#›</a:t>
+              <a:t>2</a:t>
             </a:fld>
             <a:endParaRPr lang="en-US"/>
           </a:p>
@@ -2954,7 +2954,7 @@
           <a:p>
             <a:fld id="{62432D30-4C28-427C-B662-F292BDC70B13}" type="slidenum">
               <a:rPr lang="en-US"/>
-              <a:t>‹#›</a:t>
+              <a:t>3</a:t>
             </a:fld>
             <a:endParaRPr lang="en-US"/>
           </a:p>
@@ -3038,7 +3038,7 @@
           <a:p>
             <a:fld id="{62432D30-4C28-427C-B662-F292BDC70B13}" type="slidenum">
               <a:rPr lang="en-US"/>
-              <a:t>‹#›</a:t>
+              <a:t>4</a:t>
             </a:fld>
             <a:endParaRPr lang="en-US"/>
           </a:p>
@@ -3122,7 +3122,7 @@
           <a:p>
             <a:fld id="{62432D30-4C28-427C-B662-F292BDC70B13}" type="slidenum">
               <a:rPr lang="en-US"/>
-              <a:t>‹#›</a:t>
+              <a:t>5</a:t>
             </a:fld>
             <a:endParaRPr lang="en-US"/>
           </a:p>
@@ -3206,7 +3206,7 @@
           <a:p>
             <a:fld id="{62432D30-4C28-427C-B662-F292BDC70B13}" type="slidenum">
               <a:rPr lang="en-US"/>
-              <a:t>‹#›</a:t>
+              <a:t>6</a:t>
             </a:fld>
             <a:endParaRPr lang="en-US"/>
           </a:p>
@@ -6255,6 +6255,30 @@
           </a:prstGeom>
         </p:spPr>
       </p:pic>
+      <p:pic>
+        <p:nvPicPr>
+          <p:cNvPr id="5" name="Picture 4"/>
+          <p:cNvPicPr>
+            <a:picLocks noChangeAspect="1"/>
+          </p:cNvPicPr>
+          <p:nvPr/>
+        </p:nvPicPr>
+        <p:blipFill>
+          <a:blip r:embed="rId5"/>
+          <a:stretch>
+            <a:fillRect/>
+          </a:stretch>
+        </p:blipFill>
+        <p:spPr>
+          <a:xfrm>
+            <a:off x="5999163" y="1290502"/>
+            <a:ext cx="5709920" cy="4556261"/>
+          </a:xfrm>
+          <a:prstGeom prst="rect">
+            <a:avLst/>
+          </a:prstGeom>
+        </p:spPr>
+      </p:pic>
     </p:spTree>
     <p:extLst>
       <p:ext uri="{BB962C8B-B14F-4D97-AF65-F5344CB8AC3E}">
@@ -6372,6 +6396,30 @@
           <a:chExt cx="0" cy="0"/>
         </a:xfrm>
       </p:grpSpPr>
+      <p:pic>
+        <p:nvPicPr>
+          <p:cNvPr id="3" name="Picture 2"/>
+          <p:cNvPicPr>
+            <a:picLocks noChangeAspect="1"/>
+          </p:cNvPicPr>
+          <p:nvPr/>
+        </p:nvPicPr>
+        <p:blipFill>
+          <a:blip r:embed="rId3"/>
+          <a:stretch>
+            <a:fillRect/>
+          </a:stretch>
+        </p:blipFill>
+        <p:spPr>
+          <a:xfrm>
+            <a:off x="6536754" y="1534675"/>
+            <a:ext cx="5361623" cy="4966983"/>
+          </a:xfrm>
+          <a:prstGeom prst="rect">
+            <a:avLst/>
+          </a:prstGeom>
+        </p:spPr>
+      </p:pic>
       <p:sp>
         <p:nvSpPr>
           <p:cNvPr id="2" name="TextBox 1"/>
@@ -6380,7 +6428,7 @@
         </p:nvSpPr>
         <p:spPr>
           <a:xfrm>
-            <a:off x="-341566" y="1219715"/>
+            <a:off x="-453326" y="447555"/>
             <a:ext cx="11170143" cy="923330"/>
           </a:xfrm>
           <a:prstGeom prst="rect">
